--- a/prezentáció/Lucky – A mi kis kávézónk.pptx
+++ b/prezentáció/Lucky – A mi kis kávézónk.pptx
@@ -18,10 +18,13 @@
     <p:sldId id="265" r:id="rId12"/>
     <p:sldId id="259" r:id="rId13"/>
     <p:sldId id="260" r:id="rId14"/>
-    <p:sldId id="261" r:id="rId15"/>
-    <p:sldId id="266" r:id="rId16"/>
-    <p:sldId id="262" r:id="rId17"/>
-    <p:sldId id="267" r:id="rId18"/>
+    <p:sldId id="268" r:id="rId15"/>
+    <p:sldId id="269" r:id="rId16"/>
+    <p:sldId id="270" r:id="rId17"/>
+    <p:sldId id="261" r:id="rId18"/>
+    <p:sldId id="266" r:id="rId19"/>
+    <p:sldId id="262" r:id="rId20"/>
+    <p:sldId id="267" r:id="rId21"/>
   </p:sldIdLst>
   <p:sldSz cx="12192000" cy="6858000"/>
   <p:notesSz cx="6858000" cy="9144000"/>
@@ -40937,6 +40940,296 @@
           <p:cNvPr id="2" name="Cím 1">
             <a:extLst>
               <a:ext uri="{FF2B5EF4-FFF2-40B4-BE49-F238E27FC236}">
+                <a16:creationId xmlns:a16="http://schemas.microsoft.com/office/drawing/2014/main" id="{74845B01-3DBC-47AB-B19C-295168DC3C6F}"/>
+              </a:ext>
+            </a:extLst>
+          </p:cNvPr>
+          <p:cNvSpPr>
+            <a:spLocks noGrp="1"/>
+          </p:cNvSpPr>
+          <p:nvPr>
+            <p:ph type="title"/>
+          </p:nvPr>
+        </p:nvSpPr>
+        <p:spPr/>
+        <p:txBody>
+          <a:bodyPr/>
+          <a:lstStyle/>
+          <a:p>
+            <a:r>
+              <a:rPr lang="hu-HU" dirty="0">
+                <a:solidFill>
+                  <a:srgbClr val="94EA22"/>
+                </a:solidFill>
+              </a:rPr>
+              <a:t>Tervezés: Prototípus – Kávéfajták oldal</a:t>
+            </a:r>
+            <a:endParaRPr lang="hu-HU" dirty="0"/>
+          </a:p>
+        </p:txBody>
+      </p:sp>
+      <p:sp>
+        <p:nvSpPr>
+          <p:cNvPr id="3" name="Tartalom helye 2">
+            <a:extLst>
+              <a:ext uri="{FF2B5EF4-FFF2-40B4-BE49-F238E27FC236}">
+                <a16:creationId xmlns:a16="http://schemas.microsoft.com/office/drawing/2014/main" id="{671DF63F-6CC5-420F-9947-1D5D13F63FE4}"/>
+              </a:ext>
+            </a:extLst>
+          </p:cNvPr>
+          <p:cNvSpPr>
+            <a:spLocks noGrp="1"/>
+          </p:cNvSpPr>
+          <p:nvPr>
+            <p:ph idx="1"/>
+          </p:nvPr>
+        </p:nvSpPr>
+        <p:spPr/>
+        <p:txBody>
+          <a:bodyPr/>
+          <a:lstStyle/>
+          <a:p>
+            <a:endParaRPr lang="hu-HU"/>
+          </a:p>
+        </p:txBody>
+      </p:sp>
+    </p:spTree>
+    <p:extLst>
+      <p:ext uri="{BB962C8B-B14F-4D97-AF65-F5344CB8AC3E}">
+        <p14:creationId xmlns:p14="http://schemas.microsoft.com/office/powerpoint/2010/main" val="203899634"/>
+      </p:ext>
+    </p:extLst>
+  </p:cSld>
+  <p:clrMapOvr>
+    <a:masterClrMapping/>
+  </p:clrMapOvr>
+</p:sld>
+</file>
+
+<file path=ppt/slides/slide11.xml><?xml version="1.0" encoding="utf-8"?>
+<p:sld xmlns:a="http://schemas.openxmlformats.org/drawingml/2006/main" xmlns:r="http://schemas.openxmlformats.org/officeDocument/2006/relationships" xmlns:p="http://schemas.openxmlformats.org/presentationml/2006/main">
+  <p:cSld>
+    <p:spTree>
+      <p:nvGrpSpPr>
+        <p:cNvPr id="1" name=""/>
+        <p:cNvGrpSpPr/>
+        <p:nvPr/>
+      </p:nvGrpSpPr>
+      <p:grpSpPr>
+        <a:xfrm>
+          <a:off x="0" y="0"/>
+          <a:ext cx="0" cy="0"/>
+          <a:chOff x="0" y="0"/>
+          <a:chExt cx="0" cy="0"/>
+        </a:xfrm>
+      </p:grpSpPr>
+      <p:sp>
+        <p:nvSpPr>
+          <p:cNvPr id="2" name="Cím 1">
+            <a:extLst>
+              <a:ext uri="{FF2B5EF4-FFF2-40B4-BE49-F238E27FC236}">
+                <a16:creationId xmlns:a16="http://schemas.microsoft.com/office/drawing/2014/main" id="{E7F9C133-F54B-41D5-B16D-20650F7C517E}"/>
+              </a:ext>
+            </a:extLst>
+          </p:cNvPr>
+          <p:cNvSpPr>
+            <a:spLocks noGrp="1"/>
+          </p:cNvSpPr>
+          <p:nvPr>
+            <p:ph type="title"/>
+          </p:nvPr>
+        </p:nvSpPr>
+        <p:spPr/>
+        <p:txBody>
+          <a:bodyPr/>
+          <a:lstStyle/>
+          <a:p>
+            <a:r>
+              <a:rPr lang="hu-HU" dirty="0">
+                <a:solidFill>
+                  <a:srgbClr val="94EA22"/>
+                </a:solidFill>
+              </a:rPr>
+              <a:t>Tervezés: Prototípus - Blog</a:t>
+            </a:r>
+            <a:endParaRPr lang="hu-HU" dirty="0"/>
+          </a:p>
+        </p:txBody>
+      </p:sp>
+      <p:sp>
+        <p:nvSpPr>
+          <p:cNvPr id="3" name="Tartalom helye 2">
+            <a:extLst>
+              <a:ext uri="{FF2B5EF4-FFF2-40B4-BE49-F238E27FC236}">
+                <a16:creationId xmlns:a16="http://schemas.microsoft.com/office/drawing/2014/main" id="{3803047D-0957-4686-94CB-39CEDB3DE5F0}"/>
+              </a:ext>
+            </a:extLst>
+          </p:cNvPr>
+          <p:cNvSpPr>
+            <a:spLocks noGrp="1"/>
+          </p:cNvSpPr>
+          <p:nvPr>
+            <p:ph idx="1"/>
+          </p:nvPr>
+        </p:nvSpPr>
+        <p:spPr/>
+        <p:txBody>
+          <a:bodyPr/>
+          <a:lstStyle/>
+          <a:p>
+            <a:endParaRPr lang="hu-HU"/>
+          </a:p>
+        </p:txBody>
+      </p:sp>
+    </p:spTree>
+    <p:extLst>
+      <p:ext uri="{BB962C8B-B14F-4D97-AF65-F5344CB8AC3E}">
+        <p14:creationId xmlns:p14="http://schemas.microsoft.com/office/powerpoint/2010/main" val="874192157"/>
+      </p:ext>
+    </p:extLst>
+  </p:cSld>
+  <p:clrMapOvr>
+    <a:masterClrMapping/>
+  </p:clrMapOvr>
+</p:sld>
+</file>
+
+<file path=ppt/slides/slide12.xml><?xml version="1.0" encoding="utf-8"?>
+<p:sld xmlns:a="http://schemas.openxmlformats.org/drawingml/2006/main" xmlns:r="http://schemas.openxmlformats.org/officeDocument/2006/relationships" xmlns:p="http://schemas.openxmlformats.org/presentationml/2006/main">
+  <p:cSld>
+    <p:spTree>
+      <p:nvGrpSpPr>
+        <p:cNvPr id="1" name=""/>
+        <p:cNvGrpSpPr/>
+        <p:nvPr/>
+      </p:nvGrpSpPr>
+      <p:grpSpPr>
+        <a:xfrm>
+          <a:off x="0" y="0"/>
+          <a:ext cx="0" cy="0"/>
+          <a:chOff x="0" y="0"/>
+          <a:chExt cx="0" cy="0"/>
+        </a:xfrm>
+      </p:grpSpPr>
+      <p:sp>
+        <p:nvSpPr>
+          <p:cNvPr id="2" name="Cím 1">
+            <a:extLst>
+              <a:ext uri="{FF2B5EF4-FFF2-40B4-BE49-F238E27FC236}">
+                <a16:creationId xmlns:a16="http://schemas.microsoft.com/office/drawing/2014/main" id="{7BB18914-4588-4969-8C98-630F4DC6919A}"/>
+              </a:ext>
+            </a:extLst>
+          </p:cNvPr>
+          <p:cNvSpPr>
+            <a:spLocks noGrp="1"/>
+          </p:cNvSpPr>
+          <p:nvPr>
+            <p:ph type="title"/>
+          </p:nvPr>
+        </p:nvSpPr>
+        <p:spPr/>
+        <p:txBody>
+          <a:bodyPr/>
+          <a:lstStyle/>
+          <a:p>
+            <a:r>
+              <a:rPr lang="hu-HU" dirty="0">
+                <a:solidFill>
+                  <a:srgbClr val="94EA22"/>
+                </a:solidFill>
+              </a:rPr>
+              <a:t>Eszközök</a:t>
+            </a:r>
+          </a:p>
+        </p:txBody>
+      </p:sp>
+      <p:sp>
+        <p:nvSpPr>
+          <p:cNvPr id="3" name="Tartalom helye 2">
+            <a:extLst>
+              <a:ext uri="{FF2B5EF4-FFF2-40B4-BE49-F238E27FC236}">
+                <a16:creationId xmlns:a16="http://schemas.microsoft.com/office/drawing/2014/main" id="{959D303D-955F-44EE-A933-4781BDAC1893}"/>
+              </a:ext>
+            </a:extLst>
+          </p:cNvPr>
+          <p:cNvSpPr>
+            <a:spLocks noGrp="1"/>
+          </p:cNvSpPr>
+          <p:nvPr>
+            <p:ph idx="1"/>
+          </p:nvPr>
+        </p:nvSpPr>
+        <p:spPr/>
+        <p:txBody>
+          <a:bodyPr/>
+          <a:lstStyle/>
+          <a:p>
+            <a:r>
+              <a:rPr lang="hu-HU" sz="2000" dirty="0">
+                <a:solidFill>
+                  <a:srgbClr val="94EA22"/>
+                </a:solidFill>
+              </a:rPr>
+              <a:t>Trello</a:t>
+            </a:r>
+          </a:p>
+          <a:p>
+            <a:r>
+              <a:rPr lang="hu-HU" sz="2000" dirty="0">
+                <a:solidFill>
+                  <a:srgbClr val="94EA22"/>
+                </a:solidFill>
+              </a:rPr>
+              <a:t>GitHub</a:t>
+            </a:r>
+          </a:p>
+          <a:p>
+            <a:r>
+              <a:rPr lang="hu-HU" sz="2000" dirty="0">
+                <a:solidFill>
+                  <a:srgbClr val="94EA22"/>
+                </a:solidFill>
+              </a:rPr>
+              <a:t>Figma</a:t>
+            </a:r>
+          </a:p>
+        </p:txBody>
+      </p:sp>
+    </p:spTree>
+    <p:extLst>
+      <p:ext uri="{BB962C8B-B14F-4D97-AF65-F5344CB8AC3E}">
+        <p14:creationId xmlns:p14="http://schemas.microsoft.com/office/powerpoint/2010/main" val="2500329435"/>
+      </p:ext>
+    </p:extLst>
+  </p:cSld>
+  <p:clrMapOvr>
+    <a:masterClrMapping/>
+  </p:clrMapOvr>
+</p:sld>
+</file>
+
+<file path=ppt/slides/slide13.xml><?xml version="1.0" encoding="utf-8"?>
+<p:sld xmlns:a="http://schemas.openxmlformats.org/drawingml/2006/main" xmlns:r="http://schemas.openxmlformats.org/officeDocument/2006/relationships" xmlns:p="http://schemas.openxmlformats.org/presentationml/2006/main">
+  <p:cSld>
+    <p:spTree>
+      <p:nvGrpSpPr>
+        <p:cNvPr id="1" name=""/>
+        <p:cNvGrpSpPr/>
+        <p:nvPr/>
+      </p:nvGrpSpPr>
+      <p:grpSpPr>
+        <a:xfrm>
+          <a:off x="0" y="0"/>
+          <a:ext cx="0" cy="0"/>
+          <a:chOff x="0" y="0"/>
+          <a:chExt cx="0" cy="0"/>
+        </a:xfrm>
+      </p:grpSpPr>
+      <p:sp>
+        <p:nvSpPr>
+          <p:cNvPr id="2" name="Cím 1">
+            <a:extLst>
+              <a:ext uri="{FF2B5EF4-FFF2-40B4-BE49-F238E27FC236}">
                 <a16:creationId xmlns:a16="http://schemas.microsoft.com/office/drawing/2014/main" id="{EC79D754-1846-4872-B243-D52C649F3377}"/>
               </a:ext>
             </a:extLst>
@@ -41033,7 +41326,7 @@
 </p:sld>
 </file>
 
-<file path=ppt/slides/slide11.xml><?xml version="1.0" encoding="utf-8"?>
+<file path=ppt/slides/slide14.xml><?xml version="1.0" encoding="utf-8"?>
 <p:sld xmlns:a="http://schemas.openxmlformats.org/drawingml/2006/main" xmlns:r="http://schemas.openxmlformats.org/officeDocument/2006/relationships" xmlns:p="http://schemas.openxmlformats.org/presentationml/2006/main">
   <p:cSld>
     <p:spTree>
@@ -41151,7 +41444,7 @@
 </p:sld>
 </file>
 
-<file path=ppt/slides/slide12.xml><?xml version="1.0" encoding="utf-8"?>
+<file path=ppt/slides/slide15.xml><?xml version="1.0" encoding="utf-8"?>
 <p:sld xmlns:a="http://schemas.openxmlformats.org/drawingml/2006/main" xmlns:r="http://schemas.openxmlformats.org/officeDocument/2006/relationships" xmlns:p="http://schemas.openxmlformats.org/presentationml/2006/main">
   <p:cSld>
     <p:spTree>
@@ -42094,10 +42387,10 @@
       </p:sp>
       <p:sp>
         <p:nvSpPr>
-          <p:cNvPr id="3" name="Tartalom helye 2">
+          <p:cNvPr id="7" name="Tartalom helye 6">
             <a:extLst>
               <a:ext uri="{FF2B5EF4-FFF2-40B4-BE49-F238E27FC236}">
-                <a16:creationId xmlns:a16="http://schemas.microsoft.com/office/drawing/2014/main" id="{78DB0BAC-9477-4D3D-A143-D750EB43C3F9}"/>
+                <a16:creationId xmlns:a16="http://schemas.microsoft.com/office/drawing/2014/main" id="{7FAA36C3-FB0B-4335-B9A8-06D9B39DDE95}"/>
               </a:ext>
             </a:extLst>
           </p:cNvPr>
@@ -42113,10 +42406,99 @@
           <a:bodyPr/>
           <a:lstStyle/>
           <a:p>
-            <a:endParaRPr lang="hu-HU" dirty="0"/>
+            <a:pPr marL="158750" indent="0">
+              <a:buNone/>
+            </a:pPr>
+            <a:r>
+              <a:rPr lang="hu-HU" sz="1800" dirty="0">
+                <a:solidFill>
+                  <a:schemeClr val="bg1"/>
+                </a:solidFill>
+              </a:rPr>
+              <a:t>A </a:t>
+            </a:r>
+            <a:r>
+              <a:rPr lang="hu-HU" sz="1800" dirty="0">
+                <a:solidFill>
+                  <a:srgbClr val="94EA22"/>
+                </a:solidFill>
+              </a:rPr>
+              <a:t>drótváz</a:t>
+            </a:r>
+            <a:r>
+              <a:rPr lang="hu-HU" sz="1800" dirty="0">
+                <a:solidFill>
+                  <a:schemeClr val="bg1"/>
+                </a:solidFill>
+              </a:rPr>
+              <a:t> a weboldal felépítését ábrázolja</a:t>
+            </a:r>
           </a:p>
         </p:txBody>
       </p:sp>
+      <p:pic>
+        <p:nvPicPr>
+          <p:cNvPr id="9" name="Kép 8">
+            <a:extLst>
+              <a:ext uri="{FF2B5EF4-FFF2-40B4-BE49-F238E27FC236}">
+                <a16:creationId xmlns:a16="http://schemas.microsoft.com/office/drawing/2014/main" id="{E1F60CCD-B23A-42FA-8300-9A052FE26F86}"/>
+              </a:ext>
+            </a:extLst>
+          </p:cNvPr>
+          <p:cNvPicPr>
+            <a:picLocks noChangeAspect="1"/>
+          </p:cNvPicPr>
+          <p:nvPr/>
+        </p:nvPicPr>
+        <p:blipFill>
+          <a:blip r:embed="rId2">
+            <a:extLst>
+              <a:ext uri="{28A0092B-C50C-407E-A947-70E740481C1C}">
+                <a14:useLocalDpi xmlns:a14="http://schemas.microsoft.com/office/drawing/2010/main" val="0"/>
+              </a:ext>
+            </a:extLst>
+          </a:blip>
+          <a:stretch>
+            <a:fillRect/>
+          </a:stretch>
+        </p:blipFill>
+        <p:spPr>
+          <a:xfrm>
+            <a:off x="6641602" y="2099992"/>
+            <a:ext cx="4534533" cy="3877216"/>
+          </a:xfrm>
+          <a:prstGeom prst="round2DiagRect">
+            <a:avLst>
+              <a:gd name="adj1" fmla="val 16667"/>
+              <a:gd name="adj2" fmla="val 0"/>
+            </a:avLst>
+          </a:prstGeom>
+          <a:ln w="88900" cap="sq">
+            <a:solidFill>
+              <a:srgbClr val="94EA22"/>
+            </a:solidFill>
+            <a:miter lim="800000"/>
+          </a:ln>
+          <a:effectLst>
+            <a:outerShdw blurRad="149987" dist="250190" dir="8460000" algn="ctr">
+              <a:srgbClr val="000000">
+                <a:alpha val="28000"/>
+              </a:srgbClr>
+            </a:outerShdw>
+          </a:effectLst>
+          <a:scene3d>
+            <a:camera prst="orthographicFront">
+              <a:rot lat="0" lon="0" rev="0"/>
+            </a:camera>
+            <a:lightRig rig="contrasting" dir="t">
+              <a:rot lat="0" lon="0" rev="1500000"/>
+            </a:lightRig>
+          </a:scene3d>
+          <a:sp3d prstMaterial="metal">
+            <a:bevelT w="88900" h="88900"/>
+          </a:sp3d>
+        </p:spPr>
+      </p:pic>
     </p:spTree>
     <p:extLst>
       <p:ext uri="{BB962C8B-B14F-4D97-AF65-F5344CB8AC3E}">
@@ -42174,7 +42556,7 @@
                   <a:srgbClr val="94EA22"/>
                 </a:solidFill>
               </a:rPr>
-              <a:t>Tervezés: Prototípus</a:t>
+              <a:t>Tervezés: Prototípus - Főoldal</a:t>
             </a:r>
           </a:p>
         </p:txBody>
@@ -42239,7 +42621,7 @@
           <p:cNvPr id="2" name="Cím 1">
             <a:extLst>
               <a:ext uri="{FF2B5EF4-FFF2-40B4-BE49-F238E27FC236}">
-                <a16:creationId xmlns:a16="http://schemas.microsoft.com/office/drawing/2014/main" id="{7BB18914-4588-4969-8C98-630F4DC6919A}"/>
+                <a16:creationId xmlns:a16="http://schemas.microsoft.com/office/drawing/2014/main" id="{1F4BE588-2F71-4508-9B3B-702818B22B8A}"/>
               </a:ext>
             </a:extLst>
           </p:cNvPr>
@@ -42261,8 +42643,9 @@
                   <a:srgbClr val="94EA22"/>
                 </a:solidFill>
               </a:rPr>
-              <a:t>Eszközök</a:t>
+              <a:t>Tervezés: Prototípus – Sütemény oldal</a:t>
             </a:r>
+            <a:endParaRPr lang="hu-HU" dirty="0"/>
           </a:p>
         </p:txBody>
       </p:sp>
@@ -42271,7 +42654,7 @@
           <p:cNvPr id="3" name="Tartalom helye 2">
             <a:extLst>
               <a:ext uri="{FF2B5EF4-FFF2-40B4-BE49-F238E27FC236}">
-                <a16:creationId xmlns:a16="http://schemas.microsoft.com/office/drawing/2014/main" id="{959D303D-955F-44EE-A933-4781BDAC1893}"/>
+                <a16:creationId xmlns:a16="http://schemas.microsoft.com/office/drawing/2014/main" id="{C9F1ABF0-5C10-4F54-B706-366E51B68114}"/>
               </a:ext>
             </a:extLst>
           </p:cNvPr>
@@ -42287,41 +42670,14 @@
           <a:bodyPr/>
           <a:lstStyle/>
           <a:p>
-            <a:r>
-              <a:rPr lang="hu-HU" sz="2000" dirty="0">
-                <a:solidFill>
-                  <a:srgbClr val="94EA22"/>
-                </a:solidFill>
-              </a:rPr>
-              <a:t>Trello</a:t>
-            </a:r>
-          </a:p>
-          <a:p>
-            <a:r>
-              <a:rPr lang="hu-HU" sz="2000" dirty="0">
-                <a:solidFill>
-                  <a:srgbClr val="94EA22"/>
-                </a:solidFill>
-              </a:rPr>
-              <a:t>GitHub</a:t>
-            </a:r>
-          </a:p>
-          <a:p>
-            <a:r>
-              <a:rPr lang="hu-HU" sz="2000" dirty="0">
-                <a:solidFill>
-                  <a:srgbClr val="94EA22"/>
-                </a:solidFill>
-              </a:rPr>
-              <a:t>Figma</a:t>
-            </a:r>
+            <a:endParaRPr lang="hu-HU"/>
           </a:p>
         </p:txBody>
       </p:sp>
     </p:spTree>
     <p:extLst>
       <p:ext uri="{BB962C8B-B14F-4D97-AF65-F5344CB8AC3E}">
-        <p14:creationId xmlns:p14="http://schemas.microsoft.com/office/powerpoint/2010/main" val="2500329435"/>
+        <p14:creationId xmlns:p14="http://schemas.microsoft.com/office/powerpoint/2010/main" val="2307454642"/>
       </p:ext>
     </p:extLst>
   </p:cSld>

--- a/prezentáció/Lucky – A mi kis kávézónk.pptx
+++ b/prezentáció/Lucky – A mi kis kávézónk.pptx
@@ -5649,7 +5649,7 @@
           <a:p>
             <a:fld id="{9E255AD8-65B3-4006-AEB5-E49A2474B8DB}" type="datetimeFigureOut">
               <a:rPr lang="hu-HU" smtClean="0"/>
-              <a:t>2023.11.14.</a:t>
+              <a:t>2023.11.20.</a:t>
             </a:fld>
             <a:endParaRPr lang="hu-HU"/>
           </a:p>
@@ -6061,7 +6061,7 @@
           <a:p>
             <a:fld id="{9E255AD8-65B3-4006-AEB5-E49A2474B8DB}" type="datetimeFigureOut">
               <a:rPr lang="hu-HU" smtClean="0"/>
-              <a:t>2023.11.14.</a:t>
+              <a:t>2023.11.20.</a:t>
             </a:fld>
             <a:endParaRPr lang="hu-HU"/>
           </a:p>
@@ -10837,7 +10837,7 @@
           <a:p>
             <a:fld id="{9E255AD8-65B3-4006-AEB5-E49A2474B8DB}" type="datetimeFigureOut">
               <a:rPr lang="hu-HU" smtClean="0"/>
-              <a:t>2023.11.14.</a:t>
+              <a:t>2023.11.20.</a:t>
             </a:fld>
             <a:endParaRPr lang="hu-HU"/>
           </a:p>
@@ -11249,7 +11249,7 @@
           <a:p>
             <a:fld id="{9E255AD8-65B3-4006-AEB5-E49A2474B8DB}" type="datetimeFigureOut">
               <a:rPr lang="hu-HU" smtClean="0"/>
-              <a:t>2023.11.14.</a:t>
+              <a:t>2023.11.20.</a:t>
             </a:fld>
             <a:endParaRPr lang="hu-HU"/>
           </a:p>
@@ -11943,7 +11943,7 @@
           <a:p>
             <a:fld id="{9E255AD8-65B3-4006-AEB5-E49A2474B8DB}" type="datetimeFigureOut">
               <a:rPr lang="hu-HU" smtClean="0"/>
-              <a:t>2023.11.14.</a:t>
+              <a:t>2023.11.20.</a:t>
             </a:fld>
             <a:endParaRPr lang="hu-HU"/>
           </a:p>
@@ -12355,7 +12355,7 @@
           <a:p>
             <a:fld id="{9E255AD8-65B3-4006-AEB5-E49A2474B8DB}" type="datetimeFigureOut">
               <a:rPr lang="hu-HU" smtClean="0"/>
-              <a:t>2023.11.14.</a:t>
+              <a:t>2023.11.20.</a:t>
             </a:fld>
             <a:endParaRPr lang="hu-HU"/>
           </a:p>
@@ -28982,7 +28982,7 @@
           <a:p>
             <a:fld id="{9E255AD8-65B3-4006-AEB5-E49A2474B8DB}" type="datetimeFigureOut">
               <a:rPr lang="hu-HU" smtClean="0"/>
-              <a:t>2023.11.14.</a:t>
+              <a:t>2023.11.20.</a:t>
             </a:fld>
             <a:endParaRPr lang="hu-HU"/>
           </a:p>
@@ -29394,7 +29394,7 @@
           <a:p>
             <a:fld id="{9E255AD8-65B3-4006-AEB5-E49A2474B8DB}" type="datetimeFigureOut">
               <a:rPr lang="hu-HU" smtClean="0"/>
-              <a:t>2023.11.14.</a:t>
+              <a:t>2023.11.20.</a:t>
             </a:fld>
             <a:endParaRPr lang="hu-HU"/>
           </a:p>
@@ -41857,7 +41857,7 @@
                   <a:schemeClr val="bg1"/>
                 </a:solidFill>
               </a:rPr>
-              <a:t>Hézső Károly</a:t>
+              <a:t>Hézső Károly Ádám</a:t>
             </a:r>
           </a:p>
           <a:p>
@@ -42276,7 +42276,7 @@
                   <a:srgbClr val="94EA22"/>
                 </a:solidFill>
               </a:rPr>
-              <a:t>Hézső Károly</a:t>
+              <a:t>Hézső Károly Ádám</a:t>
             </a:r>
           </a:p>
         </p:txBody>
@@ -42545,7 +42545,12 @@
             <p:ph type="title"/>
           </p:nvPr>
         </p:nvSpPr>
-        <p:spPr/>
+        <p:spPr>
+          <a:xfrm>
+            <a:off x="1424133" y="472813"/>
+            <a:ext cx="9396400" cy="643200"/>
+          </a:xfrm>
+        </p:spPr>
         <p:txBody>
           <a:bodyPr/>
           <a:lstStyle/>
@@ -42561,31 +42566,41 @@
           </a:p>
         </p:txBody>
       </p:sp>
-      <p:sp>
-        <p:nvSpPr>
-          <p:cNvPr id="3" name="Tartalom helye 2">
+      <p:pic>
+        <p:nvPicPr>
+          <p:cNvPr id="5" name="Tartalom helye 4">
             <a:extLst>
               <a:ext uri="{FF2B5EF4-FFF2-40B4-BE49-F238E27FC236}">
-                <a16:creationId xmlns:a16="http://schemas.microsoft.com/office/drawing/2014/main" id="{60620924-5C9E-4431-9713-B60CA9E016DA}"/>
+                <a16:creationId xmlns:a16="http://schemas.microsoft.com/office/drawing/2014/main" id="{3AA5867F-A633-4F1B-B81E-B9203B4FAD67}"/>
               </a:ext>
             </a:extLst>
           </p:cNvPr>
-          <p:cNvSpPr>
-            <a:spLocks noGrp="1"/>
-          </p:cNvSpPr>
+          <p:cNvPicPr>
+            <a:picLocks noGrp="1" noChangeAspect="1"/>
+          </p:cNvPicPr>
           <p:nvPr>
             <p:ph idx="1"/>
           </p:nvPr>
-        </p:nvSpPr>
-        <p:spPr/>
-        <p:txBody>
-          <a:bodyPr/>
-          <a:lstStyle/>
-          <a:p>
-            <a:endParaRPr lang="hu-HU" dirty="0"/>
-          </a:p>
-        </p:txBody>
-      </p:sp>
+        </p:nvPicPr>
+        <p:blipFill>
+          <a:blip r:embed="rId2">
+            <a:extLst>
+              <a:ext uri="{28A0092B-C50C-407E-A947-70E740481C1C}">
+                <a14:useLocalDpi xmlns:a14="http://schemas.microsoft.com/office/drawing/2010/main" val="0"/>
+              </a:ext>
+            </a:extLst>
+          </a:blip>
+          <a:stretch>
+            <a:fillRect/>
+          </a:stretch>
+        </p:blipFill>
+        <p:spPr>
+          <a:xfrm>
+            <a:off x="20913" y="1862356"/>
+            <a:ext cx="6101420" cy="3133288"/>
+          </a:xfrm>
+        </p:spPr>
+      </p:pic>
     </p:spTree>
     <p:extLst>
       <p:ext uri="{BB962C8B-B14F-4D97-AF65-F5344CB8AC3E}">
